--- a/М7У5. Презентация проекта.pptx
+++ b/М7У5. Презентация проекта.pptx
@@ -595,6 +595,11 @@
         </p:txBody>
       </p:sp>
     </p:spTree>
+    <p:extLst>
+      <p:ext uri="{BB962C8B-B14F-4D97-AF65-F5344CB8AC3E}">
+        <p14:creationId xmlns:p14="http://schemas.microsoft.com/office/powerpoint/2010/main" val="1866731965"/>
+      </p:ext>
+    </p:extLst>
   </p:cSld>
   <p:clrMap bg1="lt1" tx1="dk1" bg2="dk2" tx2="lt2" accent1="accent1" accent2="accent2" accent3="accent3" accent4="accent4" accent5="accent5" accent6="accent6" hlink="hlink" folHlink="folHlink"/>
   <p:notesStyle>
@@ -2270,7 +2275,7 @@
   </p:clrMapOvr>
   <p:extLst>
     <p:ext uri="{DCECCB84-F9BA-43D5-87BE-67443E8EF086}">
-      <p15:sldGuideLst xmlns:p15="http://schemas.microsoft.com/office/powerpoint/2012/main">
+      <p15:sldGuideLst xmlns:p15="http://schemas.microsoft.com/office/powerpoint/2012/main" xmlns="">
         <p15:guide id="1" orient="horz" pos="401">
           <p15:clr>
             <a:srgbClr val="B7B7B7"/>
@@ -2999,7 +3004,7 @@
   </p:clrMapOvr>
   <p:extLst>
     <p:ext uri="{DCECCB84-F9BA-43D5-87BE-67443E8EF086}">
-      <p15:sldGuideLst xmlns:p15="http://schemas.microsoft.com/office/powerpoint/2012/main">
+      <p15:sldGuideLst xmlns:p15="http://schemas.microsoft.com/office/powerpoint/2012/main" xmlns="">
         <p15:guide id="1" orient="horz" pos="401">
           <p15:clr>
             <a:srgbClr val="B7B7B7"/>
@@ -3728,7 +3733,7 @@
   </p:clrMapOvr>
   <p:extLst>
     <p:ext uri="{DCECCB84-F9BA-43D5-87BE-67443E8EF086}">
-      <p15:sldGuideLst xmlns:p15="http://schemas.microsoft.com/office/powerpoint/2012/main">
+      <p15:sldGuideLst xmlns:p15="http://schemas.microsoft.com/office/powerpoint/2012/main" xmlns="">
         <p15:guide id="1" orient="horz" pos="401">
           <p15:clr>
             <a:srgbClr val="B7B7B7"/>
@@ -3917,7 +3922,7 @@
   </p:clrMapOvr>
   <p:extLst>
     <p:ext uri="{DCECCB84-F9BA-43D5-87BE-67443E8EF086}">
-      <p15:sldGuideLst xmlns:p15="http://schemas.microsoft.com/office/powerpoint/2012/main">
+      <p15:sldGuideLst xmlns:p15="http://schemas.microsoft.com/office/powerpoint/2012/main" xmlns="">
         <p15:guide id="1" orient="horz" pos="401">
           <p15:clr>
             <a:srgbClr val="B7B7B7"/>
@@ -4457,7 +4462,7 @@
   </p:clrMapOvr>
   <p:extLst>
     <p:ext uri="{DCECCB84-F9BA-43D5-87BE-67443E8EF086}">
-      <p15:sldGuideLst xmlns:p15="http://schemas.microsoft.com/office/powerpoint/2012/main">
+      <p15:sldGuideLst xmlns:p15="http://schemas.microsoft.com/office/powerpoint/2012/main" xmlns="">
         <p15:guide id="1" orient="horz" pos="401">
           <p15:clr>
             <a:srgbClr val="B7B7B7"/>
@@ -5357,7 +5362,7 @@
   </p:clrMapOvr>
   <p:extLst>
     <p:ext uri="{DCECCB84-F9BA-43D5-87BE-67443E8EF086}">
-      <p15:sldGuideLst xmlns:p15="http://schemas.microsoft.com/office/powerpoint/2012/main">
+      <p15:sldGuideLst xmlns:p15="http://schemas.microsoft.com/office/powerpoint/2012/main" xmlns="">
         <p15:guide id="1" orient="horz" pos="401">
           <p15:clr>
             <a:srgbClr val="B7B7B7"/>
@@ -5897,7 +5902,7 @@
   </p:clrMapOvr>
   <p:extLst>
     <p:ext uri="{DCECCB84-F9BA-43D5-87BE-67443E8EF086}">
-      <p15:sldGuideLst xmlns:p15="http://schemas.microsoft.com/office/powerpoint/2012/main">
+      <p15:sldGuideLst xmlns:p15="http://schemas.microsoft.com/office/powerpoint/2012/main" xmlns="">
         <p15:guide id="1" orient="horz" pos="401">
           <p15:clr>
             <a:srgbClr val="B7B7B7"/>
@@ -6797,7 +6802,7 @@
   </p:clrMapOvr>
   <p:extLst>
     <p:ext uri="{DCECCB84-F9BA-43D5-87BE-67443E8EF086}">
-      <p15:sldGuideLst xmlns:p15="http://schemas.microsoft.com/office/powerpoint/2012/main">
+      <p15:sldGuideLst xmlns:p15="http://schemas.microsoft.com/office/powerpoint/2012/main" xmlns="">
         <p15:guide id="1" orient="horz" pos="401">
           <p15:clr>
             <a:srgbClr val="B7B7B7"/>
@@ -7337,7 +7342,7 @@
   </p:clrMapOvr>
   <p:extLst>
     <p:ext uri="{DCECCB84-F9BA-43D5-87BE-67443E8EF086}">
-      <p15:sldGuideLst xmlns:p15="http://schemas.microsoft.com/office/powerpoint/2012/main">
+      <p15:sldGuideLst xmlns:p15="http://schemas.microsoft.com/office/powerpoint/2012/main" xmlns="">
         <p15:guide id="1" orient="horz" pos="401">
           <p15:clr>
             <a:srgbClr val="B7B7B7"/>
@@ -8237,7 +8242,7 @@
   </p:clrMapOvr>
   <p:extLst>
     <p:ext uri="{DCECCB84-F9BA-43D5-87BE-67443E8EF086}">
-      <p15:sldGuideLst xmlns:p15="http://schemas.microsoft.com/office/powerpoint/2012/main">
+      <p15:sldGuideLst xmlns:p15="http://schemas.microsoft.com/office/powerpoint/2012/main" xmlns="">
         <p15:guide id="1" orient="horz" pos="401">
           <p15:clr>
             <a:srgbClr val="B7B7B7"/>
@@ -8777,7 +8782,7 @@
   </p:clrMapOvr>
   <p:extLst>
     <p:ext uri="{DCECCB84-F9BA-43D5-87BE-67443E8EF086}">
-      <p15:sldGuideLst xmlns:p15="http://schemas.microsoft.com/office/powerpoint/2012/main">
+      <p15:sldGuideLst xmlns:p15="http://schemas.microsoft.com/office/powerpoint/2012/main" xmlns="">
         <p15:guide id="1" orient="horz" pos="401">
           <p15:clr>
             <a:srgbClr val="B7B7B7"/>
@@ -9677,7 +9682,7 @@
   </p:clrMapOvr>
   <p:extLst>
     <p:ext uri="{DCECCB84-F9BA-43D5-87BE-67443E8EF086}">
-      <p15:sldGuideLst xmlns:p15="http://schemas.microsoft.com/office/powerpoint/2012/main">
+      <p15:sldGuideLst xmlns:p15="http://schemas.microsoft.com/office/powerpoint/2012/main" xmlns="">
         <p15:guide id="1" orient="horz" pos="401">
           <p15:clr>
             <a:srgbClr val="B7B7B7"/>
@@ -10217,7 +10222,7 @@
   </p:clrMapOvr>
   <p:extLst>
     <p:ext uri="{DCECCB84-F9BA-43D5-87BE-67443E8EF086}">
-      <p15:sldGuideLst xmlns:p15="http://schemas.microsoft.com/office/powerpoint/2012/main">
+      <p15:sldGuideLst xmlns:p15="http://schemas.microsoft.com/office/powerpoint/2012/main" xmlns="">
         <p15:guide id="1" orient="horz" pos="401">
           <p15:clr>
             <a:srgbClr val="B7B7B7"/>
@@ -11117,7 +11122,7 @@
   </p:clrMapOvr>
   <p:extLst>
     <p:ext uri="{DCECCB84-F9BA-43D5-87BE-67443E8EF086}">
-      <p15:sldGuideLst xmlns:p15="http://schemas.microsoft.com/office/powerpoint/2012/main">
+      <p15:sldGuideLst xmlns:p15="http://schemas.microsoft.com/office/powerpoint/2012/main" xmlns="">
         <p15:guide id="1" orient="horz" pos="401">
           <p15:clr>
             <a:srgbClr val="B7B7B7"/>
@@ -11817,7 +11822,7 @@
   </p:clrMapOvr>
   <p:extLst>
     <p:ext uri="{DCECCB84-F9BA-43D5-87BE-67443E8EF086}">
-      <p15:sldGuideLst xmlns:p15="http://schemas.microsoft.com/office/powerpoint/2012/main">
+      <p15:sldGuideLst xmlns:p15="http://schemas.microsoft.com/office/powerpoint/2012/main" xmlns="">
         <p15:guide id="1" orient="horz" pos="401">
           <p15:clr>
             <a:srgbClr val="B7B7B7"/>
@@ -12157,7 +12162,7 @@
   </p:clrMapOvr>
   <p:extLst>
     <p:ext uri="{DCECCB84-F9BA-43D5-87BE-67443E8EF086}">
-      <p15:sldGuideLst xmlns:p15="http://schemas.microsoft.com/office/powerpoint/2012/main">
+      <p15:sldGuideLst xmlns:p15="http://schemas.microsoft.com/office/powerpoint/2012/main" xmlns="">
         <p15:guide id="1" orient="horz" pos="401">
           <p15:clr>
             <a:srgbClr val="B7B7B7"/>
@@ -12697,7 +12702,7 @@
   </p:clrMapOvr>
   <p:extLst>
     <p:ext uri="{DCECCB84-F9BA-43D5-87BE-67443E8EF086}">
-      <p15:sldGuideLst xmlns:p15="http://schemas.microsoft.com/office/powerpoint/2012/main">
+      <p15:sldGuideLst xmlns:p15="http://schemas.microsoft.com/office/powerpoint/2012/main" xmlns="">
         <p15:guide id="1" orient="horz" pos="401">
           <p15:clr>
             <a:srgbClr val="B7B7B7"/>
@@ -13237,7 +13242,7 @@
   </p:clrMapOvr>
   <p:extLst>
     <p:ext uri="{DCECCB84-F9BA-43D5-87BE-67443E8EF086}">
-      <p15:sldGuideLst xmlns:p15="http://schemas.microsoft.com/office/powerpoint/2012/main">
+      <p15:sldGuideLst xmlns:p15="http://schemas.microsoft.com/office/powerpoint/2012/main" xmlns="">
         <p15:guide id="1" orient="horz" pos="401">
           <p15:clr>
             <a:srgbClr val="B7B7B7"/>
@@ -14137,7 +14142,7 @@
   </p:clrMapOvr>
   <p:extLst>
     <p:ext uri="{DCECCB84-F9BA-43D5-87BE-67443E8EF086}">
-      <p15:sldGuideLst xmlns:p15="http://schemas.microsoft.com/office/powerpoint/2012/main">
+      <p15:sldGuideLst xmlns:p15="http://schemas.microsoft.com/office/powerpoint/2012/main" xmlns="">
         <p15:guide id="1" orient="horz" pos="401">
           <p15:clr>
             <a:srgbClr val="B7B7B7"/>
@@ -14380,7 +14385,7 @@
   </p:clrMapOvr>
   <p:extLst>
     <p:ext uri="{DCECCB84-F9BA-43D5-87BE-67443E8EF086}">
-      <p15:sldGuideLst xmlns:p15="http://schemas.microsoft.com/office/powerpoint/2012/main">
+      <p15:sldGuideLst xmlns:p15="http://schemas.microsoft.com/office/powerpoint/2012/main" xmlns="">
         <p15:guide id="1" pos="2993">
           <p15:clr>
             <a:schemeClr val="accent4"/>
@@ -15069,7 +15074,7 @@
   </p:clrMapOvr>
   <p:extLst>
     <p:ext uri="{DCECCB84-F9BA-43D5-87BE-67443E8EF086}">
-      <p15:sldGuideLst xmlns:p15="http://schemas.microsoft.com/office/powerpoint/2012/main">
+      <p15:sldGuideLst xmlns:p15="http://schemas.microsoft.com/office/powerpoint/2012/main" xmlns="">
         <p15:guide id="1" orient="horz" pos="401">
           <p15:clr>
             <a:srgbClr val="B7B7B7"/>
@@ -15798,7 +15803,7 @@
   </p:clrMapOvr>
   <p:extLst>
     <p:ext uri="{DCECCB84-F9BA-43D5-87BE-67443E8EF086}">
-      <p15:sldGuideLst xmlns:p15="http://schemas.microsoft.com/office/powerpoint/2012/main">
+      <p15:sldGuideLst xmlns:p15="http://schemas.microsoft.com/office/powerpoint/2012/main" xmlns="">
         <p15:guide id="1" orient="horz" pos="401">
           <p15:clr>
             <a:srgbClr val="B7B7B7"/>
@@ -16527,7 +16532,7 @@
   </p:clrMapOvr>
   <p:extLst>
     <p:ext uri="{DCECCB84-F9BA-43D5-87BE-67443E8EF086}">
-      <p15:sldGuideLst xmlns:p15="http://schemas.microsoft.com/office/powerpoint/2012/main">
+      <p15:sldGuideLst xmlns:p15="http://schemas.microsoft.com/office/powerpoint/2012/main" xmlns="">
         <p15:guide id="1" orient="horz" pos="401">
           <p15:clr>
             <a:srgbClr val="B7B7B7"/>
@@ -17256,7 +17261,7 @@
   </p:clrMapOvr>
   <p:extLst>
     <p:ext uri="{DCECCB84-F9BA-43D5-87BE-67443E8EF086}">
-      <p15:sldGuideLst xmlns:p15="http://schemas.microsoft.com/office/powerpoint/2012/main">
+      <p15:sldGuideLst xmlns:p15="http://schemas.microsoft.com/office/powerpoint/2012/main" xmlns="">
         <p15:guide id="1" orient="horz" pos="401">
           <p15:clr>
             <a:srgbClr val="B7B7B7"/>
@@ -17985,7 +17990,7 @@
   </p:clrMapOvr>
   <p:extLst>
     <p:ext uri="{DCECCB84-F9BA-43D5-87BE-67443E8EF086}">
-      <p15:sldGuideLst xmlns:p15="http://schemas.microsoft.com/office/powerpoint/2012/main">
+      <p15:sldGuideLst xmlns:p15="http://schemas.microsoft.com/office/powerpoint/2012/main" xmlns="">
         <p15:guide id="1" orient="horz" pos="401">
           <p15:clr>
             <a:srgbClr val="B7B7B7"/>
@@ -18714,7 +18719,7 @@
   </p:clrMapOvr>
   <p:extLst>
     <p:ext uri="{DCECCB84-F9BA-43D5-87BE-67443E8EF086}">
-      <p15:sldGuideLst xmlns:p15="http://schemas.microsoft.com/office/powerpoint/2012/main">
+      <p15:sldGuideLst xmlns:p15="http://schemas.microsoft.com/office/powerpoint/2012/main" xmlns="">
         <p15:guide id="1" orient="horz" pos="401">
           <p15:clr>
             <a:srgbClr val="B7B7B7"/>
@@ -19443,7 +19448,7 @@
   </p:clrMapOvr>
   <p:extLst>
     <p:ext uri="{DCECCB84-F9BA-43D5-87BE-67443E8EF086}">
-      <p15:sldGuideLst xmlns:p15="http://schemas.microsoft.com/office/powerpoint/2012/main">
+      <p15:sldGuideLst xmlns:p15="http://schemas.microsoft.com/office/powerpoint/2012/main" xmlns="">
         <p15:guide id="1" orient="horz" pos="401">
           <p15:clr>
             <a:srgbClr val="B7B7B7"/>
@@ -21166,7 +21171,7 @@
   </p:txStyles>
   <p:extLst>
     <p:ext uri="{27BBF7A9-308A-43DC-89C8-2F10F3537804}">
-      <p15:sldGuideLst xmlns:p15="http://schemas.microsoft.com/office/powerpoint/2012/main">
+      <p15:sldGuideLst xmlns:p15="http://schemas.microsoft.com/office/powerpoint/2012/main" xmlns="">
         <p15:guide id="1" pos="227">
           <p15:clr>
             <a:srgbClr val="FF0000"/>
@@ -21347,7 +21352,7 @@
           <p:cNvPr id="3" name="Подзаголовок 2">
             <a:extLst>
               <a:ext uri="{FF2B5EF4-FFF2-40B4-BE49-F238E27FC236}">
-                <a16:creationId xmlns:a16="http://schemas.microsoft.com/office/drawing/2014/main" id="{A5F9A7D9-8005-4940-9542-360D1B7956E0}"/>
+                <a16:creationId xmlns:a16="http://schemas.microsoft.com/office/drawing/2014/main" xmlns="" id="{A5F9A7D9-8005-4940-9542-360D1B7956E0}"/>
               </a:ext>
             </a:extLst>
           </p:cNvPr>
@@ -21375,7 +21380,7 @@
           <p:cNvPr id="5" name="Рисунок 4">
             <a:extLst>
               <a:ext uri="{FF2B5EF4-FFF2-40B4-BE49-F238E27FC236}">
-                <a16:creationId xmlns:a16="http://schemas.microsoft.com/office/drawing/2014/main" id="{795713D8-6538-4421-8F4D-B95AC1F9FBF8}"/>
+                <a16:creationId xmlns:a16="http://schemas.microsoft.com/office/drawing/2014/main" xmlns="" id="{795713D8-6538-4421-8F4D-B95AC1F9FBF8}"/>
               </a:ext>
             </a:extLst>
           </p:cNvPr>
@@ -21392,7 +21397,7 @@
         </p:blipFill>
         <p:spPr>
           <a:xfrm>
-            <a:off x="5414606" y="3132499"/>
+            <a:off x="6541200" y="3132498"/>
             <a:ext cx="2602800" cy="2011001"/>
           </a:xfrm>
           <a:prstGeom prst="rect">
@@ -21400,6 +21405,72 @@
           </a:prstGeom>
         </p:spPr>
       </p:pic>
+      <p:cxnSp>
+        <p:nvCxnSpPr>
+          <p:cNvPr id="4" name="Скругленная соединительная линия 3"/>
+          <p:cNvCxnSpPr/>
+          <p:nvPr/>
+        </p:nvCxnSpPr>
+        <p:spPr>
+          <a:xfrm flipV="1">
+            <a:off x="5756988" y="4485537"/>
+            <a:ext cx="718457" cy="219738"/>
+          </a:xfrm>
+          <a:prstGeom prst="curvedConnector3">
+            <a:avLst/>
+          </a:prstGeom>
+          <a:ln>
+            <a:solidFill>
+              <a:schemeClr val="tx1"/>
+            </a:solidFill>
+            <a:tailEnd type="arrow"/>
+          </a:ln>
+        </p:spPr>
+        <p:style>
+          <a:lnRef idx="1">
+            <a:schemeClr val="accent1"/>
+          </a:lnRef>
+          <a:fillRef idx="0">
+            <a:schemeClr val="accent1"/>
+          </a:fillRef>
+          <a:effectRef idx="0">
+            <a:schemeClr val="accent1"/>
+          </a:effectRef>
+          <a:fontRef idx="minor">
+            <a:schemeClr val="tx1"/>
+          </a:fontRef>
+        </p:style>
+      </p:cxnSp>
+      <p:sp>
+        <p:nvSpPr>
+          <p:cNvPr id="10" name="TextBox 9"/>
+          <p:cNvSpPr txBox="1"/>
+          <p:nvPr/>
+        </p:nvSpPr>
+        <p:spPr>
+          <a:xfrm>
+            <a:off x="4226767" y="4485537"/>
+            <a:ext cx="1889449" cy="307777"/>
+          </a:xfrm>
+          <a:prstGeom prst="rect">
+            <a:avLst/>
+          </a:prstGeom>
+          <a:noFill/>
+        </p:spPr>
+        <p:txBody>
+          <a:bodyPr wrap="square" rtlCol="0">
+            <a:spAutoFit/>
+          </a:bodyPr>
+          <a:lstStyle/>
+          <a:p>
+            <a:r>
+              <a:rPr lang="ru-RU" dirty="0" smtClean="0"/>
+              <a:t>Тут тоже змейка</a:t>
+            </a:r>
+            <a:endParaRPr lang="ru-RU" dirty="0"/>
+          </a:p>
+        </p:txBody>
+      </p:sp>
     </p:spTree>
   </p:cSld>
   <p:clrMapOvr>
@@ -21642,7 +21713,15 @@
                   <a:schemeClr val="dk1"/>
                 </a:solidFill>
               </a:rPr>
-              <a:t>, чтобы всем было весело.</a:t>
+              <a:t>, чтобы всем было </a:t>
+            </a:r>
+            <a:r>
+              <a:rPr lang="ru-RU" sz="1800" dirty="0" smtClean="0">
+                <a:solidFill>
+                  <a:schemeClr val="dk1"/>
+                </a:solidFill>
+              </a:rPr>
+              <a:t>весело в неё играть.</a:t>
             </a:r>
             <a:endParaRPr sz="1800" dirty="0"/>
           </a:p>
@@ -21653,7 +21732,7 @@
           <p:cNvPr id="3" name="Рисунок 2">
             <a:extLst>
               <a:ext uri="{FF2B5EF4-FFF2-40B4-BE49-F238E27FC236}">
-                <a16:creationId xmlns:a16="http://schemas.microsoft.com/office/drawing/2014/main" id="{1B3C8225-197B-4AEC-9C35-5B0554C8AB8B}"/>
+                <a16:creationId xmlns:a16="http://schemas.microsoft.com/office/drawing/2014/main" xmlns="" id="{1B3C8225-197B-4AEC-9C35-5B0554C8AB8B}"/>
               </a:ext>
             </a:extLst>
           </p:cNvPr>
@@ -21670,8 +21749,8 @@
         </p:blipFill>
         <p:spPr>
           <a:xfrm>
-            <a:off x="360000" y="1566250"/>
-            <a:ext cx="7119419" cy="3314700"/>
+            <a:off x="0" y="3144416"/>
+            <a:ext cx="8052318" cy="1883025"/>
           </a:xfrm>
           <a:prstGeom prst="rect">
             <a:avLst/>
@@ -21879,16 +21958,12 @@
               <a:buNone/>
             </a:pPr>
             <a:r>
-              <a:rPr lang="ru-RU" sz="1800" dirty="0"/>
-              <a:t>За это не дают денег.                                                    Почему плохого парня </a:t>
+              <a:rPr lang="ru-RU" sz="1800" dirty="0" smtClean="0"/>
+              <a:t>Я считаю проблем никаких нет, только ещё будут доработки в проекте.</a:t>
             </a:r>
             <a:r>
-              <a:rPr lang="ru-RU" sz="1800" dirty="0" err="1"/>
-              <a:t>забанили</a:t>
-            </a:r>
-            <a:r>
-              <a:rPr lang="ru-RU" sz="1800" dirty="0"/>
-              <a:t>..</a:t>
+              <a:rPr lang="ru-RU" sz="1800" dirty="0" smtClean="0"/>
+              <a:t> Как я уже сказала всё отлично работает.                                                  </a:t>
             </a:r>
             <a:endParaRPr sz="1800" dirty="0"/>
           </a:p>
@@ -21899,7 +21974,7 @@
           <p:cNvPr id="3" name="Рисунок 2">
             <a:extLst>
               <a:ext uri="{FF2B5EF4-FFF2-40B4-BE49-F238E27FC236}">
-                <a16:creationId xmlns:a16="http://schemas.microsoft.com/office/drawing/2014/main" id="{ABEA8700-BA9A-4A0F-AB96-36A307B5F6FE}"/>
+                <a16:creationId xmlns:a16="http://schemas.microsoft.com/office/drawing/2014/main" xmlns="" id="{ABEA8700-BA9A-4A0F-AB96-36A307B5F6FE}"/>
               </a:ext>
             </a:extLst>
           </p:cNvPr>
@@ -21915,9 +21990,39 @@
           </a:stretch>
         </p:blipFill>
         <p:spPr>
+          <a:xfrm flipH="1">
+            <a:off x="1511559" y="4075929"/>
+            <a:ext cx="0" cy="0"/>
+          </a:xfrm>
+          <a:prstGeom prst="rect">
+            <a:avLst/>
+          </a:prstGeom>
+        </p:spPr>
+      </p:pic>
+      <p:pic>
+        <p:nvPicPr>
+          <p:cNvPr id="2" name="Рисунок 1"/>
+          <p:cNvPicPr>
+            <a:picLocks noChangeAspect="1"/>
+          </p:cNvPicPr>
+          <p:nvPr/>
+        </p:nvPicPr>
+        <p:blipFill>
+          <a:blip r:embed="rId4">
+            <a:extLst>
+              <a:ext uri="{28A0092B-C50C-407E-A947-70E740481C1C}">
+                <a14:useLocalDpi xmlns:a14="http://schemas.microsoft.com/office/drawing/2010/main" val="0"/>
+              </a:ext>
+            </a:extLst>
+          </a:blip>
+          <a:stretch>
+            <a:fillRect/>
+          </a:stretch>
+        </p:blipFill>
+        <p:spPr>
           <a:xfrm>
-            <a:off x="1737700" y="1584355"/>
-            <a:ext cx="5143500" cy="3405235"/>
+            <a:off x="0" y="2668555"/>
+            <a:ext cx="2388365" cy="2388365"/>
           </a:xfrm>
           <a:prstGeom prst="rect">
             <a:avLst/>
@@ -21929,6 +22034,13 @@
   <p:clrMapOvr>
     <a:masterClrMapping/>
   </p:clrMapOvr>
+  <p:timing>
+    <p:tnLst>
+      <p:par>
+        <p:cTn id="1" dur="indefinite" restart="never" nodeType="tmRoot"/>
+      </p:par>
+    </p:tnLst>
+  </p:timing>
 </p:sld>
 </file>
 
@@ -21961,7 +22073,7 @@
         </p:nvSpPr>
         <p:spPr>
           <a:xfrm>
-            <a:off x="360450" y="360450"/>
+            <a:off x="388442" y="360450"/>
             <a:ext cx="8423700" cy="554100"/>
           </a:xfrm>
           <a:prstGeom prst="rect">
@@ -22011,7 +22123,7 @@
         </p:nvSpPr>
         <p:spPr>
           <a:xfrm>
-            <a:off x="360000" y="1191600"/>
+            <a:off x="291386" y="902352"/>
             <a:ext cx="8430600" cy="3042600"/>
           </a:xfrm>
           <a:prstGeom prst="rect">
@@ -22042,12 +22154,35 @@
               <a:buNone/>
             </a:pPr>
             <a:r>
-              <a:rPr lang="ru-RU" sz="1800" dirty="0">
+              <a:rPr lang="ru-RU" sz="1800" dirty="0" smtClean="0">
                 <a:solidFill>
                   <a:schemeClr val="dk1"/>
                 </a:solidFill>
               </a:rPr>
-              <a:t>Ну фишки в моей игре – это отличный сюжет, персонажи и вообще всё отлично.</a:t>
+              <a:t>Не знаю какие могут быть особенности, ведь игра «Змейка» довольно старая.</a:t>
+            </a:r>
+          </a:p>
+          <a:p>
+            <a:pPr marL="0" lvl="0" indent="0" algn="l" rtl="0">
+              <a:lnSpc>
+                <a:spcPct val="100000"/>
+              </a:lnSpc>
+              <a:spcBef>
+                <a:spcPts val="0"/>
+              </a:spcBef>
+              <a:spcAft>
+                <a:spcPts val="0"/>
+              </a:spcAft>
+              <a:buSzPts val="1600"/>
+              <a:buNone/>
+            </a:pPr>
+            <a:r>
+              <a:rPr lang="ru-RU" sz="1800" dirty="0" smtClean="0">
+                <a:solidFill>
+                  <a:schemeClr val="dk1"/>
+                </a:solidFill>
+              </a:rPr>
+              <a:t>Этот проект – просто всеми любимая игра в моём исполнении.</a:t>
             </a:r>
             <a:endParaRPr sz="1800" dirty="0"/>
           </a:p>
@@ -22058,7 +22193,7 @@
           <p:cNvPr id="5" name="Рисунок 4">
             <a:extLst>
               <a:ext uri="{FF2B5EF4-FFF2-40B4-BE49-F238E27FC236}">
-                <a16:creationId xmlns:a16="http://schemas.microsoft.com/office/drawing/2014/main" id="{149E12DB-C577-4A1A-BD9F-C6DE2B4309E4}"/>
+                <a16:creationId xmlns:a16="http://schemas.microsoft.com/office/drawing/2014/main" xmlns="" id="{149E12DB-C577-4A1A-BD9F-C6DE2B4309E4}"/>
               </a:ext>
             </a:extLst>
           </p:cNvPr>
@@ -22075,8 +22210,8 @@
         </p:blipFill>
         <p:spPr>
           <a:xfrm>
-            <a:off x="0" y="1593408"/>
-            <a:ext cx="9144000" cy="3441449"/>
+            <a:off x="-1" y="1604866"/>
+            <a:ext cx="7940351" cy="3444984"/>
           </a:xfrm>
           <a:prstGeom prst="rect">
             <a:avLst/>
@@ -22088,6 +22223,13 @@
   <p:clrMapOvr>
     <a:masterClrMapping/>
   </p:clrMapOvr>
+  <p:timing>
+    <p:tnLst>
+      <p:par>
+        <p:cTn id="1" dur="indefinite" restart="never" nodeType="tmRoot"/>
+      </p:par>
+    </p:tnLst>
+  </p:timing>
 </p:sld>
 </file>
 
@@ -22155,12 +22297,16 @@
               <a:t>В </a:t>
             </a:r>
             <a:r>
-              <a:rPr lang="en-GB" dirty="0" err="1"/>
-              <a:t>своем</a:t>
+              <a:rPr lang="en-GB" dirty="0" err="1" smtClean="0"/>
+              <a:t>сво</a:t>
             </a:r>
             <a:r>
-              <a:rPr lang="en-GB" dirty="0"/>
-              <a:t> </a:t>
+              <a:rPr lang="ru-RU" dirty="0" smtClean="0"/>
+              <a:t>ё</a:t>
+            </a:r>
+            <a:r>
+              <a:rPr lang="en-GB" dirty="0" smtClean="0"/>
+              <a:t>м </a:t>
             </a:r>
             <a:r>
               <a:rPr lang="en-GB" dirty="0" err="1"/>
@@ -22198,8 +22344,8 @@
         </p:nvSpPr>
         <p:spPr>
           <a:xfrm>
-            <a:off x="360000" y="1191600"/>
-            <a:ext cx="8430600" cy="3042600"/>
+            <a:off x="360000" y="821094"/>
+            <a:ext cx="8430600" cy="3413106"/>
           </a:xfrm>
           <a:prstGeom prst="rect">
             <a:avLst/>
@@ -22230,7 +22376,15 @@
             </a:pPr>
             <a:r>
               <a:rPr lang="ru-RU" sz="1800" dirty="0"/>
-              <a:t>Свои отличнейшие знания и немножко интернета..</a:t>
+              <a:t>Свои </a:t>
+            </a:r>
+            <a:r>
+              <a:rPr lang="ru-RU" sz="1800" dirty="0" smtClean="0"/>
+              <a:t>знания, помощь преподавателя и </a:t>
+            </a:r>
+            <a:r>
+              <a:rPr lang="ru-RU" sz="1800" dirty="0"/>
+              <a:t>немножко интернета..</a:t>
             </a:r>
             <a:endParaRPr sz="1800" dirty="0"/>
           </a:p>
@@ -22241,7 +22395,7 @@
           <p:cNvPr id="3" name="Рисунок 2">
             <a:extLst>
               <a:ext uri="{FF2B5EF4-FFF2-40B4-BE49-F238E27FC236}">
-                <a16:creationId xmlns:a16="http://schemas.microsoft.com/office/drawing/2014/main" id="{5CBDC471-B765-4202-9516-AE6B9F7DBBAD}"/>
+                <a16:creationId xmlns:a16="http://schemas.microsoft.com/office/drawing/2014/main" xmlns="" id="{5CBDC471-B765-4202-9516-AE6B9F7DBBAD}"/>
               </a:ext>
             </a:extLst>
           </p:cNvPr>
@@ -22258,19 +22412,66 @@
         </p:blipFill>
         <p:spPr>
           <a:xfrm>
-            <a:off x="0" y="1513617"/>
-            <a:ext cx="9144000" cy="3520110"/>
+            <a:off x="0" y="1156996"/>
+            <a:ext cx="9144000" cy="3284375"/>
           </a:xfrm>
           <a:prstGeom prst="rect">
             <a:avLst/>
           </a:prstGeom>
         </p:spPr>
       </p:pic>
+      <p:sp>
+        <p:nvSpPr>
+          <p:cNvPr id="2" name="TextBox 1"/>
+          <p:cNvSpPr txBox="1"/>
+          <p:nvPr/>
+        </p:nvSpPr>
+        <p:spPr>
+          <a:xfrm>
+            <a:off x="0" y="4441372"/>
+            <a:ext cx="2799184" cy="307777"/>
+          </a:xfrm>
+          <a:prstGeom prst="rect">
+            <a:avLst/>
+          </a:prstGeom>
+          <a:noFill/>
+        </p:spPr>
+        <p:txBody>
+          <a:bodyPr wrap="square" rtlCol="0">
+            <a:spAutoFit/>
+          </a:bodyPr>
+          <a:lstStyle/>
+          <a:p>
+            <a:r>
+              <a:rPr lang="ru-RU" dirty="0" smtClean="0"/>
+              <a:t>(плохого парня </a:t>
+            </a:r>
+            <a:r>
+              <a:rPr lang="ru-RU" dirty="0" err="1" smtClean="0"/>
+              <a:t>забанили</a:t>
+            </a:r>
+            <a:r>
+              <a:rPr lang="en-US" dirty="0" smtClean="0">
+                <a:sym typeface="Wingdings" pitchFamily="2" charset="2"/>
+              </a:rPr>
+              <a:t>)</a:t>
+            </a:r>
+            <a:endParaRPr lang="ru-RU" dirty="0"/>
+          </a:p>
+        </p:txBody>
+      </p:sp>
     </p:spTree>
   </p:cSld>
   <p:clrMapOvr>
     <a:masterClrMapping/>
   </p:clrMapOvr>
+  <p:timing>
+    <p:tnLst>
+      <p:par>
+        <p:cTn id="1" dur="indefinite" restart="never" nodeType="tmRoot"/>
+      </p:par>
+    </p:tnLst>
+  </p:timing>
 </p:sld>
 </file>
 
@@ -22353,8 +22554,8 @@
         </p:nvSpPr>
         <p:spPr>
           <a:xfrm>
-            <a:off x="360000" y="1191600"/>
-            <a:ext cx="8430600" cy="3042600"/>
+            <a:off x="360000" y="849086"/>
+            <a:ext cx="8430600" cy="3385114"/>
           </a:xfrm>
           <a:prstGeom prst="rect">
             <a:avLst/>
@@ -22388,20 +22589,20 @@
               <a:buNone/>
             </a:pPr>
             <a:r>
-              <a:rPr lang="ru-RU" sz="1800" dirty="0">
+              <a:rPr lang="ru-RU" sz="1800" dirty="0" smtClean="0">
                 <a:solidFill>
                   <a:schemeClr val="dk1"/>
                 </a:solidFill>
               </a:rPr>
-              <a:t>В дальнейшем будут </a:t>
+              <a:t>Проект будет дальше развиваться</a:t>
             </a:r>
             <a:r>
-              <a:rPr lang="ru-RU" sz="1800" dirty="0" err="1">
+              <a:rPr lang="ru-RU" sz="1800" dirty="0" smtClean="0">
                 <a:solidFill>
                   <a:schemeClr val="dk1"/>
                 </a:solidFill>
               </a:rPr>
-              <a:t>дорабодки</a:t>
+              <a:t>, также будет улучшенный </a:t>
             </a:r>
             <a:r>
               <a:rPr lang="ru-RU" sz="1800" dirty="0">
@@ -22409,7 +22610,23 @@
                   <a:schemeClr val="dk1"/>
                 </a:solidFill>
               </a:rPr>
-              <a:t>, улучшенный интерфейс. Думаю мой проект обязательно принесёт прибыль.</a:t>
+              <a:t>интерфейс</a:t>
+            </a:r>
+            <a:r>
+              <a:rPr lang="ru-RU" sz="1800" dirty="0" smtClean="0">
+                <a:solidFill>
+                  <a:schemeClr val="dk1"/>
+                </a:solidFill>
+              </a:rPr>
+              <a:t>. В общем, оптимизация игры. </a:t>
+            </a:r>
+            <a:r>
+              <a:rPr lang="ru-RU" sz="1800" dirty="0">
+                <a:solidFill>
+                  <a:schemeClr val="dk1"/>
+                </a:solidFill>
+              </a:rPr>
+              <a:t>Думаю мой проект обязательно принесёт прибыль.</a:t>
             </a:r>
             <a:endParaRPr sz="1800" dirty="0">
               <a:solidFill>
@@ -22444,7 +22661,7 @@
           <p:cNvPr id="3" name="Рисунок 2">
             <a:extLst>
               <a:ext uri="{FF2B5EF4-FFF2-40B4-BE49-F238E27FC236}">
-                <a16:creationId xmlns:a16="http://schemas.microsoft.com/office/drawing/2014/main" id="{B71A1C9A-79C1-4E58-ABD9-D860209637F7}"/>
+                <a16:creationId xmlns:a16="http://schemas.microsoft.com/office/drawing/2014/main" xmlns="" id="{B71A1C9A-79C1-4E58-ABD9-D860209637F7}"/>
               </a:ext>
             </a:extLst>
           </p:cNvPr>
@@ -22474,6 +22691,13 @@
   <p:clrMapOvr>
     <a:masterClrMapping/>
   </p:clrMapOvr>
+  <p:timing>
+    <p:tnLst>
+      <p:par>
+        <p:cTn id="1" dur="indefinite" restart="never" nodeType="tmRoot"/>
+      </p:par>
+    </p:tnLst>
+  </p:timing>
 </p:sld>
 </file>
 
@@ -22673,6 +22897,13 @@
   <p:clrMapOvr>
     <a:masterClrMapping/>
   </p:clrMapOvr>
+  <p:timing>
+    <p:tnLst>
+      <p:par>
+        <p:cTn id="1" dur="indefinite" restart="never" nodeType="tmRoot"/>
+      </p:par>
+    </p:tnLst>
+  </p:timing>
 </p:sld>
 </file>
 
